--- a/OBS.pptx
+++ b/OBS.pptx
@@ -174,6 +174,43 @@
 </p:presentation>
 </file>
 
+<file path=ppt/changesInfos/changesInfo1.xml><?xml version="1.0" encoding="utf-8"?>
+<pc:chgInfo xmlns:a="http://schemas.openxmlformats.org/drawingml/2006/main" xmlns:r="http://schemas.openxmlformats.org/officeDocument/2006/relationships" xmlns:ac="http://schemas.microsoft.com/office/drawing/2013/main/command" xmlns:pc="http://schemas.microsoft.com/office/powerpoint/2013/main/command">
+  <pc:docChgLst>
+    <pc:chgData name="GOPINATH JAMALPURI" userId="d25286617e0ad5da" providerId="LiveId" clId="{C4C9A2BA-F041-4DA0-94EC-C0EA5E4FA1EA}"/>
+    <pc:docChg chg="custSel modSld">
+      <pc:chgData name="GOPINATH JAMALPURI" userId="d25286617e0ad5da" providerId="LiveId" clId="{C4C9A2BA-F041-4DA0-94EC-C0EA5E4FA1EA}" dt="2022-01-29T09:54:53.399" v="2" actId="1076"/>
+      <pc:docMkLst>
+        <pc:docMk/>
+      </pc:docMkLst>
+      <pc:sldChg chg="addSp delSp modSp mod">
+        <pc:chgData name="GOPINATH JAMALPURI" userId="d25286617e0ad5da" providerId="LiveId" clId="{C4C9A2BA-F041-4DA0-94EC-C0EA5E4FA1EA}" dt="2022-01-29T09:54:53.399" v="2" actId="1076"/>
+        <pc:sldMkLst>
+          <pc:docMk/>
+          <pc:sldMk cId="117675191" sldId="553"/>
+        </pc:sldMkLst>
+        <pc:picChg chg="del">
+          <ac:chgData name="GOPINATH JAMALPURI" userId="d25286617e0ad5da" providerId="LiveId" clId="{C4C9A2BA-F041-4DA0-94EC-C0EA5E4FA1EA}" dt="2022-01-29T09:54:47.174" v="0" actId="478"/>
+          <ac:picMkLst>
+            <pc:docMk/>
+            <pc:sldMk cId="117675191" sldId="553"/>
+            <ac:picMk id="2" creationId="{8F9E3706-EE31-495D-8356-911F87BFE0E6}"/>
+          </ac:picMkLst>
+        </pc:picChg>
+        <pc:picChg chg="add mod">
+          <ac:chgData name="GOPINATH JAMALPURI" userId="d25286617e0ad5da" providerId="LiveId" clId="{C4C9A2BA-F041-4DA0-94EC-C0EA5E4FA1EA}" dt="2022-01-29T09:54:53.399" v="2" actId="1076"/>
+          <ac:picMkLst>
+            <pc:docMk/>
+            <pc:sldMk cId="117675191" sldId="553"/>
+            <ac:picMk id="3" creationId="{BA912534-3829-4EA9-AF5F-21449E20719E}"/>
+          </ac:picMkLst>
+        </pc:picChg>
+      </pc:sldChg>
+    </pc:docChg>
+  </pc:docChgLst>
+</pc:chgInfo>
+</file>
+
 <file path=ppt/notesMasters/notesMaster1.xml><?xml version="1.0" encoding="utf-8"?>
 <p:notesMaster xmlns:a="http://schemas.openxmlformats.org/drawingml/2006/main" xmlns:r="http://schemas.openxmlformats.org/officeDocument/2006/relationships" xmlns:p="http://schemas.openxmlformats.org/presentationml/2006/main">
   <p:cSld>
@@ -652,7 +689,7 @@
               </a14:hiddenFill>
             </a:ext>
             <a:ext uri="{FAA26D3D-D897-4be2-8F04-BA451C77F1D7}">
-              <ma14:placeholderFlag xmlns:ma14="http://schemas.microsoft.com/office/mac/drawingml/2011/main" xmlns="" val="1"/>
+              <ma14:placeholderFlag xmlns="" xmlns:ma14="http://schemas.microsoft.com/office/mac/drawingml/2011/main" val="1"/>
             </a:ext>
           </a:extLst>
         </p:spPr>
@@ -688,7 +725,7 @@
               </a14:hiddenLine>
             </a:ext>
             <a:ext uri="{FAA26D3D-D897-4be2-8F04-BA451C77F1D7}">
-              <ma14:placeholderFlag xmlns:ma14="http://schemas.microsoft.com/office/mac/drawingml/2011/main" xmlns="" val="1"/>
+              <ma14:placeholderFlag xmlns="" xmlns:ma14="http://schemas.microsoft.com/office/mac/drawingml/2011/main" val="1"/>
             </a:ext>
           </a:extLst>
         </p:spPr>
@@ -917,7 +954,7 @@
               </a14:hiddenFill>
             </a:ext>
             <a:ext uri="{FAA26D3D-D897-4be2-8F04-BA451C77F1D7}">
-              <ma14:placeholderFlag xmlns:ma14="http://schemas.microsoft.com/office/mac/drawingml/2011/main" xmlns="" val="1"/>
+              <ma14:placeholderFlag xmlns="" xmlns:ma14="http://schemas.microsoft.com/office/mac/drawingml/2011/main" val="1"/>
             </a:ext>
           </a:extLst>
         </p:spPr>
@@ -953,7 +990,7 @@
               </a14:hiddenLine>
             </a:ext>
             <a:ext uri="{FAA26D3D-D897-4be2-8F04-BA451C77F1D7}">
-              <ma14:placeholderFlag xmlns:ma14="http://schemas.microsoft.com/office/mac/drawingml/2011/main" xmlns="" val="1"/>
+              <ma14:placeholderFlag xmlns="" xmlns:ma14="http://schemas.microsoft.com/office/mac/drawingml/2011/main" val="1"/>
             </a:ext>
           </a:extLst>
         </p:spPr>
@@ -1241,7 +1278,7 @@
               </a14:hiddenFill>
             </a:ext>
             <a:ext uri="{FAA26D3D-D897-4be2-8F04-BA451C77F1D7}">
-              <ma14:placeholderFlag xmlns="" xmlns:ma14="http://schemas.microsoft.com/office/mac/drawingml/2011/main" val="1"/>
+              <ma14:placeholderFlag xmlns:ma14="http://schemas.microsoft.com/office/mac/drawingml/2011/main" xmlns="" val="1"/>
             </a:ext>
           </a:extLst>
         </p:spPr>
@@ -1277,7 +1314,7 @@
               </a14:hiddenLine>
             </a:ext>
             <a:ext uri="{FAA26D3D-D897-4be2-8F04-BA451C77F1D7}">
-              <ma14:placeholderFlag xmlns="" xmlns:ma14="http://schemas.microsoft.com/office/mac/drawingml/2011/main" val="1"/>
+              <ma14:placeholderFlag xmlns:ma14="http://schemas.microsoft.com/office/mac/drawingml/2011/main" xmlns="" val="1"/>
             </a:ext>
           </a:extLst>
         </p:spPr>
@@ -1565,7 +1602,7 @@
               </a14:hiddenFill>
             </a:ext>
             <a:ext uri="{FAA26D3D-D897-4be2-8F04-BA451C77F1D7}">
-              <ma14:placeholderFlag xmlns:ma14="http://schemas.microsoft.com/office/mac/drawingml/2011/main" xmlns="" val="1"/>
+              <ma14:placeholderFlag xmlns="" xmlns:ma14="http://schemas.microsoft.com/office/mac/drawingml/2011/main" val="1"/>
             </a:ext>
           </a:extLst>
         </p:spPr>
@@ -1601,7 +1638,7 @@
               </a14:hiddenLine>
             </a:ext>
             <a:ext uri="{FAA26D3D-D897-4be2-8F04-BA451C77F1D7}">
-              <ma14:placeholderFlag xmlns:ma14="http://schemas.microsoft.com/office/mac/drawingml/2011/main" xmlns="" val="1"/>
+              <ma14:placeholderFlag xmlns="" xmlns:ma14="http://schemas.microsoft.com/office/mac/drawingml/2011/main" val="1"/>
             </a:ext>
           </a:extLst>
         </p:spPr>
@@ -12279,10 +12316,10 @@
       </p:pic>
       <p:pic>
         <p:nvPicPr>
-          <p:cNvPr id="2" name="Picture 1">
+          <p:cNvPr id="3" name="Picture 2">
             <a:extLst>
               <a:ext uri="{FF2B5EF4-FFF2-40B4-BE49-F238E27FC236}">
-                <a16:creationId xmlns:a16="http://schemas.microsoft.com/office/drawing/2014/main" id="{8F9E3706-EE31-495D-8356-911F87BFE0E6}"/>
+                <a16:creationId xmlns:a16="http://schemas.microsoft.com/office/drawing/2014/main" id="{BA912534-3829-4EA9-AF5F-21449E20719E}"/>
               </a:ext>
             </a:extLst>
           </p:cNvPr>
@@ -12299,8 +12336,8 @@
         </p:blipFill>
         <p:spPr>
           <a:xfrm>
-            <a:off x="0" y="1149463"/>
-            <a:ext cx="12192000" cy="5743391"/>
+            <a:off x="0" y="1171700"/>
+            <a:ext cx="12192000" cy="5698918"/>
           </a:xfrm>
           <a:prstGeom prst="rect">
             <a:avLst/>
@@ -13557,18 +13594,18 @@
 </file>
 
 <file path=customXml/item1.xml><?xml version="1.0" encoding="utf-8"?>
+<p:properties xmlns:p="http://schemas.microsoft.com/office/2006/metadata/properties" xmlns:xsi="http://www.w3.org/2001/XMLSchema-instance" xmlns:pc="http://schemas.microsoft.com/office/infopath/2007/PartnerControls">
+  <documentManagement/>
+</p:properties>
+</file>
+
+<file path=customXml/item2.xml><?xml version="1.0" encoding="utf-8"?>
 <?mso-contentType ?>
 <FormTemplates xmlns="http://schemas.microsoft.com/sharepoint/v3/contenttype/forms">
   <Display>DocumentLibraryForm</Display>
   <Edit>DocumentLibraryForm</Edit>
   <New>DocumentLibraryForm</New>
 </FormTemplates>
-</file>
-
-<file path=customXml/item2.xml><?xml version="1.0" encoding="utf-8"?>
-<p:properties xmlns:p="http://schemas.microsoft.com/office/2006/metadata/properties" xmlns:xsi="http://www.w3.org/2001/XMLSchema-instance" xmlns:pc="http://schemas.microsoft.com/office/infopath/2007/PartnerControls">
-  <documentManagement/>
-</p:properties>
 </file>
 
 <file path=customXml/item3.xml><?xml version="1.0" encoding="utf-8"?>
@@ -13781,19 +13818,19 @@
 </file>
 
 <file path=customXml/itemProps1.xml><?xml version="1.0" encoding="utf-8"?>
-<ds:datastoreItem xmlns:ds="http://schemas.openxmlformats.org/officeDocument/2006/customXml" ds:itemID="{FDD960E8-200C-4738-8532-C62F5A445B07}">
+<ds:datastoreItem xmlns:ds="http://schemas.openxmlformats.org/officeDocument/2006/customXml" ds:itemID="{49FEA569-5281-404C-98B5-AD05C64CD0D6}">
   <ds:schemaRefs>
-    <ds:schemaRef ds:uri="http://schemas.microsoft.com/sharepoint/v3/contenttype/forms"/>
+    <ds:schemaRef ds:uri="http://schemas.microsoft.com/office/2006/metadata/properties"/>
+    <ds:schemaRef ds:uri="http://www.w3.org/2000/xmlns/"/>
+    <ds:schemaRef ds:uri="http://schemas.microsoft.com/office/infopath/2007/PartnerControls"/>
   </ds:schemaRefs>
 </ds:datastoreItem>
 </file>
 
 <file path=customXml/itemProps2.xml><?xml version="1.0" encoding="utf-8"?>
-<ds:datastoreItem xmlns:ds="http://schemas.openxmlformats.org/officeDocument/2006/customXml" ds:itemID="{49FEA569-5281-404C-98B5-AD05C64CD0D6}">
+<ds:datastoreItem xmlns:ds="http://schemas.openxmlformats.org/officeDocument/2006/customXml" ds:itemID="{FDD960E8-200C-4738-8532-C62F5A445B07}">
   <ds:schemaRefs>
-    <ds:schemaRef ds:uri="http://schemas.microsoft.com/office/2006/metadata/properties"/>
-    <ds:schemaRef ds:uri="http://www.w3.org/2000/xmlns/"/>
-    <ds:schemaRef ds:uri="http://schemas.microsoft.com/office/infopath/2007/PartnerControls"/>
+    <ds:schemaRef ds:uri="http://schemas.microsoft.com/sharepoint/v3/contenttype/forms"/>
   </ds:schemaRefs>
 </ds:datastoreItem>
 </file>
